--- a/2019_04_11_Operators_and_Inheritance/PredefinedOperatorsAndInheritance.pptx
+++ b/2019_04_11_Operators_and_Inheritance/PredefinedOperatorsAndInheritance.pptx
@@ -4345,15 +4345,11 @@
           <a:p>
             <a:r>
               <a:rPr lang="en-US" sz="7200" dirty="0" smtClean="0"/>
-              <a:t>Constructors, </a:t>
-            </a:r>
-            <a:r>
-              <a:rPr lang="en-US" sz="7200" dirty="0" err="1" smtClean="0"/>
-              <a:t>Destrucors</a:t>
-            </a:r>
-            <a:r>
-              <a:rPr lang="en-US" sz="7200" dirty="0" smtClean="0"/>
-              <a:t> and Operators Exercise</a:t>
+              <a:t>Operators </a:t>
+            </a:r>
+            <a:r>
+              <a:rPr lang="en-US" sz="7200" smtClean="0"/>
+              <a:t>and inheritance</a:t>
             </a:r>
             <a:endParaRPr lang="en-US" sz="7200" dirty="0"/>
           </a:p>
@@ -4566,11 +4562,6 @@
               </a:rPr>
               <a:t>virtual functions defined in the base class.</a:t>
             </a:r>
-            <a:endParaRPr lang="en-US" i="1" dirty="0">
-              <a:solidFill>
-                <a:srgbClr val="92D050"/>
-              </a:solidFill>
-            </a:endParaRPr>
           </a:p>
         </p:txBody>
       </p:sp>
@@ -4665,11 +4656,7 @@
           <a:p>
             <a:r>
               <a:rPr lang="en-US" sz="4000" dirty="0" smtClean="0"/>
-              <a:t>Problem 1</a:t>
-            </a:r>
-            <a:r>
-              <a:rPr lang="en-US" sz="4000" dirty="0" smtClean="0"/>
-              <a:t>: </a:t>
+              <a:t>Problem 1: </a:t>
             </a:r>
             <a:r>
               <a:rPr lang="en-US" sz="4000" dirty="0"/>
@@ -5720,6 +5707,13 @@
   <p:clrMapOvr>
     <a:masterClrMapping/>
   </p:clrMapOvr>
+  <p:timing>
+    <p:tnLst>
+      <p:par>
+        <p:cTn id="1" dur="indefinite" restart="never" nodeType="tmRoot"/>
+      </p:par>
+    </p:tnLst>
+  </p:timing>
 </p:sld>
 </file>
 
@@ -5764,11 +5758,7 @@
           <a:p>
             <a:r>
               <a:rPr lang="en-US" sz="4000" dirty="0" smtClean="0"/>
-              <a:t>Problem 2</a:t>
-            </a:r>
-            <a:r>
-              <a:rPr lang="en-US" sz="4000" dirty="0" smtClean="0"/>
-              <a:t>: </a:t>
+              <a:t>Problem 2: </a:t>
             </a:r>
             <a:r>
               <a:rPr lang="en-US" sz="4000" dirty="0"/>
@@ -6061,6 +6051,13 @@
   <p:clrMapOvr>
     <a:masterClrMapping/>
   </p:clrMapOvr>
+  <p:timing>
+    <p:tnLst>
+      <p:par>
+        <p:cTn id="1" dur="indefinite" restart="never" nodeType="tmRoot"/>
+      </p:par>
+    </p:tnLst>
+  </p:timing>
 </p:sld>
 </file>
 
@@ -6364,6 +6361,13 @@
   <p:clrMapOvr>
     <a:masterClrMapping/>
   </p:clrMapOvr>
+  <p:timing>
+    <p:tnLst>
+      <p:par>
+        <p:cTn id="1" dur="indefinite" restart="never" nodeType="tmRoot"/>
+      </p:par>
+    </p:tnLst>
+  </p:timing>
 </p:sld>
 </file>
 
@@ -6403,11 +6407,7 @@
           <a:p>
             <a:r>
               <a:rPr lang="en-US" dirty="0" smtClean="0"/>
-              <a:t>Problem4: </a:t>
-            </a:r>
-            <a:r>
-              <a:rPr lang="en-US" dirty="0" smtClean="0"/>
-              <a:t>Refactor Solution to use override operators and Constructors where it is </a:t>
+              <a:t>Problem4: Refactor Solution to use override operators and Constructors where it is </a:t>
             </a:r>
             <a:r>
               <a:rPr lang="en-US" dirty="0" err="1" smtClean="0"/>
@@ -6446,6 +6446,13 @@
   <p:clrMapOvr>
     <a:masterClrMapping/>
   </p:clrMapOvr>
+  <p:timing>
+    <p:tnLst>
+      <p:par>
+        <p:cTn id="1" dur="indefinite" restart="never" nodeType="tmRoot"/>
+      </p:par>
+    </p:tnLst>
+  </p:timing>
 </p:sld>
 </file>
 
@@ -6531,11 +6538,7 @@
             </a:r>
             <a:r>
               <a:rPr lang="en-US" dirty="0" smtClean="0"/>
-              <a:t>class (Base class</a:t>
-            </a:r>
-            <a:r>
-              <a:rPr lang="en-US" dirty="0" smtClean="0"/>
-              <a:t>) </a:t>
+              <a:t>class (Base class) </a:t>
             </a:r>
             <a:r>
               <a:rPr lang="en-US" dirty="0"/>
@@ -6581,6 +6584,13 @@
   <p:clrMapOvr>
     <a:masterClrMapping/>
   </p:clrMapOvr>
+  <p:timing>
+    <p:tnLst>
+      <p:par>
+        <p:cTn id="1" dur="indefinite" restart="never" nodeType="tmRoot"/>
+      </p:par>
+    </p:tnLst>
+  </p:timing>
 </p:sld>
 </file>
 
@@ -6767,7 +6777,6 @@
               <a:rPr lang="en-US" dirty="0"/>
               <a:t>};</a:t>
             </a:r>
-            <a:endParaRPr lang="en-US" dirty="0"/>
           </a:p>
         </p:txBody>
       </p:sp>
@@ -6781,6 +6790,13 @@
   <p:clrMapOvr>
     <a:masterClrMapping/>
   </p:clrMapOvr>
+  <p:timing>
+    <p:tnLst>
+      <p:par>
+        <p:cTn id="1" dur="indefinite" restart="never" nodeType="tmRoot"/>
+      </p:par>
+    </p:tnLst>
+  </p:timing>
 </p:sld>
 </file>
 
@@ -6868,11 +6884,7 @@
             </a:pPr>
             <a:r>
               <a:rPr lang="en-US" dirty="0" smtClean="0"/>
-              <a:t>2. Create </a:t>
-            </a:r>
-            <a:r>
-              <a:rPr lang="en-US" dirty="0" smtClean="0"/>
-              <a:t>Student Class from Person From Previous Exercise</a:t>
+              <a:t>2. Create Student Class from Person From Previous Exercise</a:t>
             </a:r>
             <a:endParaRPr lang="en-US" dirty="0"/>
           </a:p>
@@ -6888,6 +6900,13 @@
   <p:clrMapOvr>
     <a:masterClrMapping/>
   </p:clrMapOvr>
+  <p:timing>
+    <p:tnLst>
+      <p:par>
+        <p:cTn id="1" dur="indefinite" restart="never" nodeType="tmRoot"/>
+      </p:par>
+    </p:tnLst>
+  </p:timing>
 </p:sld>
 </file>
 
@@ -6938,7 +6957,6 @@
               <a:rPr lang="en-US" sz="2600" dirty="0"/>
               <a:t> Inheritance - Feature of C++ where a class can inherit from more than one classes.</a:t>
             </a:r>
-            <a:endParaRPr lang="en-US" sz="2600" dirty="0"/>
           </a:p>
         </p:txBody>
       </p:sp>
@@ -8126,6 +8144,13 @@
   <p:clrMapOvr>
     <a:masterClrMapping/>
   </p:clrMapOvr>
+  <p:timing>
+    <p:tnLst>
+      <p:par>
+        <p:cTn id="1" dur="indefinite" restart="never" nodeType="tmRoot"/>
+      </p:par>
+    </p:tnLst>
+  </p:timing>
 </p:sld>
 </file>
 
